--- a/waveform.pptx
+++ b/waveform.pptx
@@ -264,7 +264,7 @@
           <a:p>
             <a:fld id="{C5CD5E10-DC31-47F2-BFF2-C6C46FCB1C39}" type="datetimeFigureOut">
               <a:rPr lang="zh-CN" altLang="en-US" smtClean="0"/>
-              <a:t>2025/6/4</a:t>
+              <a:t>2025/6/13</a:t>
             </a:fld>
             <a:endParaRPr lang="zh-CN" altLang="en-US"/>
           </a:p>
@@ -462,7 +462,7 @@
           <a:p>
             <a:fld id="{C5CD5E10-DC31-47F2-BFF2-C6C46FCB1C39}" type="datetimeFigureOut">
               <a:rPr lang="zh-CN" altLang="en-US" smtClean="0"/>
-              <a:t>2025/6/4</a:t>
+              <a:t>2025/6/13</a:t>
             </a:fld>
             <a:endParaRPr lang="zh-CN" altLang="en-US"/>
           </a:p>
@@ -670,7 +670,7 @@
           <a:p>
             <a:fld id="{C5CD5E10-DC31-47F2-BFF2-C6C46FCB1C39}" type="datetimeFigureOut">
               <a:rPr lang="zh-CN" altLang="en-US" smtClean="0"/>
-              <a:t>2025/6/4</a:t>
+              <a:t>2025/6/13</a:t>
             </a:fld>
             <a:endParaRPr lang="zh-CN" altLang="en-US"/>
           </a:p>
@@ -868,7 +868,7 @@
           <a:p>
             <a:fld id="{C5CD5E10-DC31-47F2-BFF2-C6C46FCB1C39}" type="datetimeFigureOut">
               <a:rPr lang="zh-CN" altLang="en-US" smtClean="0"/>
-              <a:t>2025/6/4</a:t>
+              <a:t>2025/6/13</a:t>
             </a:fld>
             <a:endParaRPr lang="zh-CN" altLang="en-US"/>
           </a:p>
@@ -1143,7 +1143,7 @@
           <a:p>
             <a:fld id="{C5CD5E10-DC31-47F2-BFF2-C6C46FCB1C39}" type="datetimeFigureOut">
               <a:rPr lang="zh-CN" altLang="en-US" smtClean="0"/>
-              <a:t>2025/6/4</a:t>
+              <a:t>2025/6/13</a:t>
             </a:fld>
             <a:endParaRPr lang="zh-CN" altLang="en-US"/>
           </a:p>
@@ -1408,7 +1408,7 @@
           <a:p>
             <a:fld id="{C5CD5E10-DC31-47F2-BFF2-C6C46FCB1C39}" type="datetimeFigureOut">
               <a:rPr lang="zh-CN" altLang="en-US" smtClean="0"/>
-              <a:t>2025/6/4</a:t>
+              <a:t>2025/6/13</a:t>
             </a:fld>
             <a:endParaRPr lang="zh-CN" altLang="en-US"/>
           </a:p>
@@ -1820,7 +1820,7 @@
           <a:p>
             <a:fld id="{C5CD5E10-DC31-47F2-BFF2-C6C46FCB1C39}" type="datetimeFigureOut">
               <a:rPr lang="zh-CN" altLang="en-US" smtClean="0"/>
-              <a:t>2025/6/4</a:t>
+              <a:t>2025/6/13</a:t>
             </a:fld>
             <a:endParaRPr lang="zh-CN" altLang="en-US"/>
           </a:p>
@@ -1961,7 +1961,7 @@
           <a:p>
             <a:fld id="{C5CD5E10-DC31-47F2-BFF2-C6C46FCB1C39}" type="datetimeFigureOut">
               <a:rPr lang="zh-CN" altLang="en-US" smtClean="0"/>
-              <a:t>2025/6/4</a:t>
+              <a:t>2025/6/13</a:t>
             </a:fld>
             <a:endParaRPr lang="zh-CN" altLang="en-US"/>
           </a:p>
@@ -2074,7 +2074,7 @@
           <a:p>
             <a:fld id="{C5CD5E10-DC31-47F2-BFF2-C6C46FCB1C39}" type="datetimeFigureOut">
               <a:rPr lang="zh-CN" altLang="en-US" smtClean="0"/>
-              <a:t>2025/6/4</a:t>
+              <a:t>2025/6/13</a:t>
             </a:fld>
             <a:endParaRPr lang="zh-CN" altLang="en-US"/>
           </a:p>
@@ -2385,7 +2385,7 @@
           <a:p>
             <a:fld id="{C5CD5E10-DC31-47F2-BFF2-C6C46FCB1C39}" type="datetimeFigureOut">
               <a:rPr lang="zh-CN" altLang="en-US" smtClean="0"/>
-              <a:t>2025/6/4</a:t>
+              <a:t>2025/6/13</a:t>
             </a:fld>
             <a:endParaRPr lang="zh-CN" altLang="en-US"/>
           </a:p>
@@ -2673,7 +2673,7 @@
           <a:p>
             <a:fld id="{C5CD5E10-DC31-47F2-BFF2-C6C46FCB1C39}" type="datetimeFigureOut">
               <a:rPr lang="zh-CN" altLang="en-US" smtClean="0"/>
-              <a:t>2025/6/4</a:t>
+              <a:t>2025/6/13</a:t>
             </a:fld>
             <a:endParaRPr lang="zh-CN" altLang="en-US"/>
           </a:p>
@@ -2914,7 +2914,7 @@
           <a:p>
             <a:fld id="{C5CD5E10-DC31-47F2-BFF2-C6C46FCB1C39}" type="datetimeFigureOut">
               <a:rPr lang="zh-CN" altLang="en-US" smtClean="0"/>
-              <a:t>2025/6/4</a:t>
+              <a:t>2025/6/13</a:t>
             </a:fld>
             <a:endParaRPr lang="zh-CN" altLang="en-US"/>
           </a:p>
@@ -5611,62 +5611,66 @@
           <a:chExt cx="0" cy="0"/>
         </a:xfrm>
       </p:grpSpPr>
-      <p:sp>
-        <p:nvSpPr>
-          <p:cNvPr id="4" name="文本框 3">
-            <a:extLst>
-              <a:ext uri="{FF2B5EF4-FFF2-40B4-BE49-F238E27FC236}">
-                <a16:creationId xmlns:a16="http://schemas.microsoft.com/office/drawing/2014/main" id="{58259658-F00B-1895-BBF7-FA4598E0B65C}"/>
-              </a:ext>
-            </a:extLst>
-          </p:cNvPr>
-          <p:cNvSpPr txBox="1"/>
+      <p:pic>
+        <p:nvPicPr>
+          <p:cNvPr id="3" name="图片 2">
+            <a:extLst>
+              <a:ext uri="{FF2B5EF4-FFF2-40B4-BE49-F238E27FC236}">
+                <a16:creationId xmlns:a16="http://schemas.microsoft.com/office/drawing/2014/main" id="{356F7FBF-8834-52A2-5B7D-E03AB115D0DA}"/>
+              </a:ext>
+            </a:extLst>
+          </p:cNvPr>
+          <p:cNvPicPr>
+            <a:picLocks noChangeAspect="1"/>
+          </p:cNvPicPr>
           <p:nvPr/>
-        </p:nvSpPr>
+        </p:nvPicPr>
+        <p:blipFill>
+          <a:blip r:embed="rId2"/>
+          <a:stretch>
+            <a:fillRect/>
+          </a:stretch>
+        </p:blipFill>
         <p:spPr>
           <a:xfrm>
-            <a:off x="1334878" y="1681592"/>
-            <a:ext cx="1157801" cy="1200329"/>
+            <a:off x="619909" y="291353"/>
+            <a:ext cx="3796759" cy="3137647"/>
           </a:xfrm>
           <a:prstGeom prst="rect">
             <a:avLst/>
           </a:prstGeom>
-          <a:noFill/>
         </p:spPr>
-        <p:txBody>
-          <a:bodyPr wrap="square" rtlCol="0">
-            <a:spAutoFit/>
-          </a:bodyPr>
-          <a:lstStyle/>
-          <a:p>
-            <a:r>
-              <a:rPr lang="zh-CN" altLang="en-US" dirty="0"/>
-              <a:t>等效带宽</a:t>
-            </a:r>
-            <a:endParaRPr lang="en-US" altLang="zh-CN" dirty="0"/>
-          </a:p>
-          <a:p>
-            <a:r>
-              <a:rPr lang="zh-CN" altLang="en-US" dirty="0"/>
-              <a:t>等效时宽</a:t>
-            </a:r>
-            <a:endParaRPr lang="en-US" altLang="zh-CN" dirty="0"/>
-          </a:p>
-          <a:p>
-            <a:r>
-              <a:rPr lang="zh-CN" altLang="en-US" dirty="0"/>
-              <a:t>频率精度</a:t>
-            </a:r>
-            <a:endParaRPr lang="en-US" altLang="zh-CN" dirty="0"/>
-          </a:p>
-          <a:p>
-            <a:r>
-              <a:rPr lang="zh-CN" altLang="en-US" dirty="0"/>
-              <a:t>距离精度</a:t>
-            </a:r>
-          </a:p>
-        </p:txBody>
-      </p:sp>
+      </p:pic>
+      <p:pic>
+        <p:nvPicPr>
+          <p:cNvPr id="6" name="图片 5">
+            <a:extLst>
+              <a:ext uri="{FF2B5EF4-FFF2-40B4-BE49-F238E27FC236}">
+                <a16:creationId xmlns:a16="http://schemas.microsoft.com/office/drawing/2014/main" id="{6C0B3BB1-AD4F-B810-33C8-A35E10A13FE9}"/>
+              </a:ext>
+            </a:extLst>
+          </p:cNvPr>
+          <p:cNvPicPr>
+            <a:picLocks noChangeAspect="1"/>
+          </p:cNvPicPr>
+          <p:nvPr/>
+        </p:nvPicPr>
+        <p:blipFill>
+          <a:blip r:embed="rId3"/>
+          <a:stretch>
+            <a:fillRect/>
+          </a:stretch>
+        </p:blipFill>
+        <p:spPr>
+          <a:xfrm>
+            <a:off x="4650064" y="345199"/>
+            <a:ext cx="3638418" cy="3083801"/>
+          </a:xfrm>
+          <a:prstGeom prst="rect">
+            <a:avLst/>
+          </a:prstGeom>
+        </p:spPr>
+      </p:pic>
     </p:spTree>
     <p:extLst>
       <p:ext uri="{BB962C8B-B14F-4D97-AF65-F5344CB8AC3E}">
